--- a/doc/PacYourCultureMan.pptx
+++ b/doc/PacYourCultureMan.pptx
@@ -17,7 +17,7 @@
     <p:sldId id="263" r:id="rId11"/>
     <p:sldId id="264" r:id="rId12"/>
     <p:sldId id="265" r:id="rId13"/>
-    <p:sldId id="266" r:id="rId14"/>
+    <p:sldId id="269" r:id="rId14"/>
   </p:sldIdLst>
   <p:sldSz cx="12192000" cy="6858000"/>
   <p:notesSz cx="6858000" cy="9144000"/>
@@ -1336,7 +1336,7 @@
             <a:fld id="{B61BEF0D-F0BB-DE4B-95CE-6DB70DBA9567}" type="datetimeFigureOut">
               <a:rPr lang="en-US" smtClean="0"/>
               <a:pPr/>
-              <a:t>1/23/2019</a:t>
+              <a:t>1/24/2019</a:t>
             </a:fld>
             <a:endParaRPr lang="en-US" dirty="0"/>
           </a:p>
@@ -1575,7 +1575,7 @@
           <a:p>
             <a:fld id="{55C6B4A9-1611-4792-9094-5F34BCA07E0B}" type="datetimeFigureOut">
               <a:rPr lang="en-US" smtClean="0"/>
-              <a:t>1/23/2019</a:t>
+              <a:t>1/24/2019</a:t>
             </a:fld>
             <a:endParaRPr lang="en-US" dirty="0"/>
           </a:p>
@@ -1756,7 +1756,7 @@
             <a:fld id="{B61BEF0D-F0BB-DE4B-95CE-6DB70DBA9567}" type="datetimeFigureOut">
               <a:rPr lang="en-US" smtClean="0"/>
               <a:pPr/>
-              <a:t>1/23/2019</a:t>
+              <a:t>1/24/2019</a:t>
             </a:fld>
             <a:endParaRPr lang="en-US" dirty="0"/>
           </a:p>
@@ -1928,7 +1928,7 @@
             <a:fld id="{B61BEF0D-F0BB-DE4B-95CE-6DB70DBA9567}" type="datetimeFigureOut">
               <a:rPr lang="en-US" smtClean="0"/>
               <a:pPr/>
-              <a:t>1/23/2019</a:t>
+              <a:t>1/24/2019</a:t>
             </a:fld>
             <a:endParaRPr lang="en-US" dirty="0"/>
           </a:p>
@@ -2206,7 +2206,7 @@
             <a:fld id="{B61BEF0D-F0BB-DE4B-95CE-6DB70DBA9567}" type="datetimeFigureOut">
               <a:rPr lang="en-US" smtClean="0"/>
               <a:pPr/>
-              <a:t>1/23/2019</a:t>
+              <a:t>1/24/2019</a:t>
             </a:fld>
             <a:endParaRPr lang="en-US" dirty="0"/>
           </a:p>
@@ -3408,7 +3408,7 @@
           <a:p>
             <a:fld id="{EB712588-04B1-427B-82EE-E8DB90309F08}" type="datetimeFigureOut">
               <a:rPr lang="en-US" smtClean="0"/>
-              <a:t>1/23/2019</a:t>
+              <a:t>1/24/2019</a:t>
             </a:fld>
             <a:endParaRPr lang="en-US" dirty="0"/>
           </a:p>
@@ -3799,7 +3799,7 @@
             <a:fld id="{B61BEF0D-F0BB-DE4B-95CE-6DB70DBA9567}" type="datetimeFigureOut">
               <a:rPr lang="en-US" smtClean="0"/>
               <a:pPr/>
-              <a:t>1/23/2019</a:t>
+              <a:t>1/24/2019</a:t>
             </a:fld>
             <a:endParaRPr lang="en-US" dirty="0"/>
           </a:p>
@@ -3924,7 +3924,7 @@
             <a:fld id="{B61BEF0D-F0BB-DE4B-95CE-6DB70DBA9567}" type="datetimeFigureOut">
               <a:rPr lang="en-US" smtClean="0"/>
               <a:pPr/>
-              <a:t>1/23/2019</a:t>
+              <a:t>1/24/2019</a:t>
             </a:fld>
             <a:endParaRPr lang="en-US" dirty="0"/>
           </a:p>
@@ -4021,7 +4021,7 @@
             <a:fld id="{B61BEF0D-F0BB-DE4B-95CE-6DB70DBA9567}" type="datetimeFigureOut">
               <a:rPr lang="en-US" smtClean="0"/>
               <a:pPr/>
-              <a:t>1/23/2019</a:t>
+              <a:t>1/24/2019</a:t>
             </a:fld>
             <a:endParaRPr lang="en-US" dirty="0"/>
           </a:p>
@@ -4785,7 +4785,7 @@
           <a:p>
             <a:fld id="{42A54C80-263E-416B-A8E0-580EDEADCBDC}" type="datetimeFigureOut">
               <a:rPr lang="en-US" smtClean="0"/>
-              <a:t>1/23/2019</a:t>
+              <a:t>1/24/2019</a:t>
             </a:fld>
             <a:endParaRPr lang="en-US" dirty="0"/>
           </a:p>
@@ -5626,7 +5626,7 @@
             <a:fld id="{B61BEF0D-F0BB-DE4B-95CE-6DB70DBA9567}" type="datetimeFigureOut">
               <a:rPr lang="en-US" smtClean="0"/>
               <a:pPr/>
-              <a:t>1/23/2019</a:t>
+              <a:t>1/24/2019</a:t>
             </a:fld>
             <a:endParaRPr lang="en-US" dirty="0"/>
           </a:p>
@@ -5855,7 +5855,7 @@
             <a:fld id="{B61BEF0D-F0BB-DE4B-95CE-6DB70DBA9567}" type="datetimeFigureOut">
               <a:rPr lang="en-US" smtClean="0"/>
               <a:pPr/>
-              <a:t>1/23/2019</a:t>
+              <a:t>1/24/2019</a:t>
             </a:fld>
             <a:endParaRPr lang="en-US" dirty="0"/>
           </a:p>
@@ -9354,7 +9354,7 @@
           <a:lstStyle/>
           <a:p>
             <a:r>
-              <a:rPr lang="nl-BE" sz="4400">
+              <a:rPr lang="nl-BE" sz="4400" dirty="0">
                 <a:solidFill>
                   <a:srgbClr val="2A1A00"/>
                 </a:solidFill>
@@ -9450,80 +9450,89 @@
           <a:lstStyle/>
           <a:p>
             <a:r>
-              <a:rPr lang="nl-BE" err="1"/>
-              <a:t>ApiHelper</a:t>
+              <a:rPr lang="nl-BE" dirty="0"/>
+              <a:t>Helper/</a:t>
             </a:r>
             <a:r>
-              <a:rPr lang="nl-BE"/>
-              <a:t> klasse</a:t>
+              <a:rPr lang="nl-BE" dirty="0" err="1"/>
+              <a:t>Handlers</a:t>
             </a:r>
+            <a:endParaRPr lang="nl-BE" dirty="0"/>
           </a:p>
           <a:p>
             <a:r>
-              <a:rPr lang="nl-BE" err="1"/>
+              <a:rPr lang="nl-BE" dirty="0" err="1"/>
               <a:t>Serializer</a:t>
             </a:r>
             <a:r>
-              <a:rPr lang="nl-BE"/>
+              <a:rPr lang="nl-BE" dirty="0"/>
               <a:t>/</a:t>
             </a:r>
             <a:r>
-              <a:rPr lang="nl-BE" err="1"/>
+              <a:rPr lang="nl-BE" dirty="0" err="1"/>
               <a:t>Deserializer</a:t>
             </a:r>
             <a:r>
-              <a:rPr lang="nl-BE"/>
+              <a:rPr lang="nl-BE" dirty="0"/>
               <a:t> </a:t>
             </a:r>
             <a:r>
-              <a:rPr lang="nl-BE" err="1"/>
+              <a:rPr lang="nl-BE" dirty="0" err="1"/>
               <a:t>Json</a:t>
             </a:r>
             <a:r>
-              <a:rPr lang="nl-BE"/>
+              <a:rPr lang="nl-BE" dirty="0"/>
               <a:t> data</a:t>
             </a:r>
           </a:p>
           <a:p>
             <a:r>
-              <a:rPr lang="nl-BE"/>
+              <a:rPr lang="nl-BE" dirty="0"/>
               <a:t>Google </a:t>
             </a:r>
             <a:r>
-              <a:rPr lang="nl-BE" err="1"/>
+              <a:rPr lang="nl-BE" dirty="0" err="1"/>
               <a:t>Maps</a:t>
             </a:r>
             <a:r>
-              <a:rPr lang="nl-BE"/>
+              <a:rPr lang="nl-BE" dirty="0"/>
               <a:t> Code</a:t>
             </a:r>
           </a:p>
           <a:p>
             <a:r>
-              <a:rPr lang="nl-BE" err="1"/>
+              <a:rPr lang="nl-BE" dirty="0" err="1"/>
               <a:t>Ghosts</a:t>
             </a:r>
             <a:r>
-              <a:rPr lang="nl-BE"/>
+              <a:rPr lang="nl-BE" dirty="0"/>
               <a:t> AI</a:t>
             </a:r>
           </a:p>
           <a:p>
             <a:r>
-              <a:rPr lang="nl-BE"/>
-              <a:t> Shop/Setting/highscores/Score/Visited </a:t>
+              <a:rPr lang="nl-BE" dirty="0"/>
+              <a:t> Shop/Setting/highscores/Score/</a:t>
             </a:r>
             <a:r>
-              <a:rPr lang="nl-BE" err="1"/>
+              <a:rPr lang="nl-BE" dirty="0" err="1"/>
+              <a:t>Visited</a:t>
+            </a:r>
+            <a:r>
+              <a:rPr lang="nl-BE" dirty="0"/>
+              <a:t> </a:t>
+            </a:r>
+            <a:r>
+              <a:rPr lang="nl-BE" dirty="0" err="1"/>
               <a:t>Sights</a:t>
             </a:r>
             <a:r>
-              <a:rPr lang="nl-BE"/>
+              <a:rPr lang="nl-BE" dirty="0"/>
               <a:t>/Skins Logica</a:t>
             </a:r>
           </a:p>
           <a:p>
-            <a:endParaRPr lang="nl-BE"/>
+            <a:endParaRPr lang="nl-BE" dirty="0"/>
           </a:p>
         </p:txBody>
       </p:sp>
@@ -9778,7 +9787,7 @@
           <p:cNvPr id="2" name="Titel 1">
             <a:extLst>
               <a:ext uri="{FF2B5EF4-FFF2-40B4-BE49-F238E27FC236}">
-                <a16:creationId xmlns:a16="http://schemas.microsoft.com/office/drawing/2014/main" id="{60C2C614-E329-494C-832F-9D9425243CDF}"/>
+                <a16:creationId xmlns:a16="http://schemas.microsoft.com/office/drawing/2014/main" id="{C743EB02-016C-40F4-BBB7-0BAC08CE6D3F}"/>
               </a:ext>
             </a:extLst>
           </p:cNvPr>
@@ -9786,7 +9795,35 @@
             <a:spLocks noGrp="1"/>
           </p:cNvSpPr>
           <p:nvPr>
-            <p:ph type="title"/>
+            <p:ph type="ctrTitle"/>
+          </p:nvPr>
+        </p:nvSpPr>
+        <p:spPr/>
+        <p:txBody>
+          <a:bodyPr/>
+          <a:lstStyle/>
+          <a:p>
+            <a:r>
+              <a:rPr lang="nl-BE" sz="8000" dirty="0"/>
+              <a:t>Vragen?</a:t>
+            </a:r>
+          </a:p>
+        </p:txBody>
+      </p:sp>
+      <p:sp>
+        <p:nvSpPr>
+          <p:cNvPr id="3" name="Ondertitel 2">
+            <a:extLst>
+              <a:ext uri="{FF2B5EF4-FFF2-40B4-BE49-F238E27FC236}">
+                <a16:creationId xmlns:a16="http://schemas.microsoft.com/office/drawing/2014/main" id="{BAFE5EF3-FEFE-4333-A057-664A1198977E}"/>
+              </a:ext>
+            </a:extLst>
+          </p:cNvPr>
+          <p:cNvSpPr>
+            <a:spLocks noGrp="1"/>
+          </p:cNvSpPr>
+          <p:nvPr>
+            <p:ph type="subTitle" idx="1"/>
           </p:nvPr>
         </p:nvSpPr>
         <p:spPr/>
@@ -9798,38 +9835,10 @@
           </a:p>
         </p:txBody>
       </p:sp>
-      <p:sp>
-        <p:nvSpPr>
-          <p:cNvPr id="3" name="Tijdelijke aanduiding voor inhoud 2">
-            <a:extLst>
-              <a:ext uri="{FF2B5EF4-FFF2-40B4-BE49-F238E27FC236}">
-                <a16:creationId xmlns:a16="http://schemas.microsoft.com/office/drawing/2014/main" id="{600FCF04-4A99-44DC-B4E6-08816848428B}"/>
-              </a:ext>
-            </a:extLst>
-          </p:cNvPr>
-          <p:cNvSpPr>
-            <a:spLocks noGrp="1"/>
-          </p:cNvSpPr>
-          <p:nvPr>
-            <p:ph idx="1"/>
-          </p:nvPr>
-        </p:nvSpPr>
-        <p:spPr/>
-        <p:txBody>
-          <a:bodyPr/>
-          <a:lstStyle/>
-          <a:p>
-            <a:pPr marL="0" indent="0">
-              <a:buNone/>
-            </a:pPr>
-            <a:endParaRPr lang="nl-BE" dirty="0"/>
-          </a:p>
-        </p:txBody>
-      </p:sp>
     </p:spTree>
     <p:extLst>
       <p:ext uri="{BB962C8B-B14F-4D97-AF65-F5344CB8AC3E}">
-        <p14:creationId xmlns:p14="http://schemas.microsoft.com/office/powerpoint/2010/main" val="2487673964"/>
+        <p14:creationId xmlns:p14="http://schemas.microsoft.com/office/powerpoint/2010/main" val="371424830"/>
       </p:ext>
     </p:extLst>
   </p:cSld>
@@ -13122,6 +13131,36 @@
           </a:fontRef>
         </p:style>
       </p:sp>
+      <p:pic>
+        <p:nvPicPr>
+          <p:cNvPr id="4" name="Afbeelding 3">
+            <a:extLst>
+              <a:ext uri="{FF2B5EF4-FFF2-40B4-BE49-F238E27FC236}">
+                <a16:creationId xmlns:a16="http://schemas.microsoft.com/office/drawing/2014/main" id="{AC620D93-ED0B-49D9-B244-413CBDBF5D07}"/>
+              </a:ext>
+            </a:extLst>
+          </p:cNvPr>
+          <p:cNvPicPr>
+            <a:picLocks noChangeAspect="1"/>
+          </p:cNvPicPr>
+          <p:nvPr/>
+        </p:nvPicPr>
+        <p:blipFill>
+          <a:blip r:embed="rId2"/>
+          <a:stretch>
+            <a:fillRect/>
+          </a:stretch>
+        </p:blipFill>
+        <p:spPr>
+          <a:xfrm>
+            <a:off x="7974951" y="693358"/>
+            <a:ext cx="4103463" cy="5471284"/>
+          </a:xfrm>
+          <a:prstGeom prst="rect">
+            <a:avLst/>
+          </a:prstGeom>
+        </p:spPr>
+      </p:pic>
     </p:spTree>
     <p:extLst>
       <p:ext uri="{BB962C8B-B14F-4D97-AF65-F5344CB8AC3E}">
@@ -13201,7 +13240,48 @@
           <a:bodyPr/>
           <a:lstStyle/>
           <a:p>
-            <a:endParaRPr lang="nl-BE"/>
+            <a:endParaRPr lang="nl-BE" dirty="0"/>
+          </a:p>
+        </p:txBody>
+      </p:sp>
+      <p:sp>
+        <p:nvSpPr>
+          <p:cNvPr id="4" name="Tekstvak 3">
+            <a:extLst>
+              <a:ext uri="{FF2B5EF4-FFF2-40B4-BE49-F238E27FC236}">
+                <a16:creationId xmlns:a16="http://schemas.microsoft.com/office/drawing/2014/main" id="{AAD058C6-3D3D-477D-B355-67B35D6C6F3E}"/>
+              </a:ext>
+            </a:extLst>
+          </p:cNvPr>
+          <p:cNvSpPr txBox="1"/>
+          <p:nvPr/>
+        </p:nvSpPr>
+        <p:spPr>
+          <a:xfrm>
+            <a:off x="4009937" y="3909268"/>
+            <a:ext cx="5251509" cy="923330"/>
+          </a:xfrm>
+          <a:prstGeom prst="rect">
+            <a:avLst/>
+          </a:prstGeom>
+          <a:noFill/>
+        </p:spPr>
+        <p:txBody>
+          <a:bodyPr wrap="square" rtlCol="0">
+            <a:spAutoFit/>
+          </a:bodyPr>
+          <a:lstStyle/>
+          <a:p>
+            <a:r>
+              <a:rPr lang="nl-BE" dirty="0">
+                <a:hlinkClick r:id="rId2"/>
+              </a:rPr>
+              <a:t>https://www.youtube.com/channel/UCUC-0fGbREypvaDz2-u1xQA?view_as=subscriber</a:t>
+            </a:r>
+            <a:endParaRPr lang="nl-BE" dirty="0"/>
+          </a:p>
+          <a:p>
+            <a:endParaRPr lang="nl-BE" dirty="0"/>
           </a:p>
         </p:txBody>
       </p:sp>

--- a/doc/PacYourCultureMan.pptx
+++ b/doc/PacYourCultureMan.pptx
@@ -17,7 +17,8 @@
     <p:sldId id="263" r:id="rId11"/>
     <p:sldId id="264" r:id="rId12"/>
     <p:sldId id="265" r:id="rId13"/>
-    <p:sldId id="269" r:id="rId14"/>
+    <p:sldId id="270" r:id="rId14"/>
+    <p:sldId id="269" r:id="rId15"/>
   </p:sldIdLst>
   <p:sldSz cx="12192000" cy="6858000"/>
   <p:notesSz cx="6858000" cy="9144000"/>
@@ -9805,6 +9806,89 @@
           <a:p>
             <a:r>
               <a:rPr lang="nl-BE" sz="8000" dirty="0"/>
+              <a:t>DEMO!</a:t>
+            </a:r>
+          </a:p>
+        </p:txBody>
+      </p:sp>
+      <p:sp>
+        <p:nvSpPr>
+          <p:cNvPr id="3" name="Ondertitel 2">
+            <a:extLst>
+              <a:ext uri="{FF2B5EF4-FFF2-40B4-BE49-F238E27FC236}">
+                <a16:creationId xmlns:a16="http://schemas.microsoft.com/office/drawing/2014/main" id="{BAFE5EF3-FEFE-4333-A057-664A1198977E}"/>
+              </a:ext>
+            </a:extLst>
+          </p:cNvPr>
+          <p:cNvSpPr>
+            <a:spLocks noGrp="1"/>
+          </p:cNvSpPr>
+          <p:nvPr>
+            <p:ph type="subTitle" idx="1"/>
+          </p:nvPr>
+        </p:nvSpPr>
+        <p:spPr/>
+        <p:txBody>
+          <a:bodyPr/>
+          <a:lstStyle/>
+          <a:p>
+            <a:endParaRPr lang="nl-BE" dirty="0"/>
+          </a:p>
+        </p:txBody>
+      </p:sp>
+    </p:spTree>
+    <p:extLst>
+      <p:ext uri="{BB962C8B-B14F-4D97-AF65-F5344CB8AC3E}">
+        <p14:creationId xmlns:p14="http://schemas.microsoft.com/office/powerpoint/2010/main" val="264369794"/>
+      </p:ext>
+    </p:extLst>
+  </p:cSld>
+  <p:clrMapOvr>
+    <a:masterClrMapping/>
+  </p:clrMapOvr>
+</p:sld>
+</file>
+
+<file path=ppt/slides/slide14.xml><?xml version="1.0" encoding="utf-8"?>
+<p:sld xmlns:a="http://schemas.openxmlformats.org/drawingml/2006/main" xmlns:r="http://schemas.openxmlformats.org/officeDocument/2006/relationships" xmlns:p="http://schemas.openxmlformats.org/presentationml/2006/main">
+  <p:cSld>
+    <p:spTree>
+      <p:nvGrpSpPr>
+        <p:cNvPr id="1" name=""/>
+        <p:cNvGrpSpPr/>
+        <p:nvPr/>
+      </p:nvGrpSpPr>
+      <p:grpSpPr>
+        <a:xfrm>
+          <a:off x="0" y="0"/>
+          <a:ext cx="0" cy="0"/>
+          <a:chOff x="0" y="0"/>
+          <a:chExt cx="0" cy="0"/>
+        </a:xfrm>
+      </p:grpSpPr>
+      <p:sp>
+        <p:nvSpPr>
+          <p:cNvPr id="2" name="Titel 1">
+            <a:extLst>
+              <a:ext uri="{FF2B5EF4-FFF2-40B4-BE49-F238E27FC236}">
+                <a16:creationId xmlns:a16="http://schemas.microsoft.com/office/drawing/2014/main" id="{C743EB02-016C-40F4-BBB7-0BAC08CE6D3F}"/>
+              </a:ext>
+            </a:extLst>
+          </p:cNvPr>
+          <p:cNvSpPr>
+            <a:spLocks noGrp="1"/>
+          </p:cNvSpPr>
+          <p:nvPr>
+            <p:ph type="ctrTitle"/>
+          </p:nvPr>
+        </p:nvSpPr>
+        <p:spPr/>
+        <p:txBody>
+          <a:bodyPr/>
+          <a:lstStyle/>
+          <a:p>
+            <a:r>
+              <a:rPr lang="nl-BE" sz="8000" dirty="0"/>
               <a:t>Vragen?</a:t>
             </a:r>
           </a:p>
@@ -10062,35 +10146,6 @@
       </p:sp>
       <p:pic>
         <p:nvPicPr>
-          <p:cNvPr id="8" name="Tijdelijke aanduiding voor inhoud 7">
-            <a:extLst>
-              <a:ext uri="{FF2B5EF4-FFF2-40B4-BE49-F238E27FC236}">
-                <a16:creationId xmlns:a16="http://schemas.microsoft.com/office/drawing/2014/main" id="{98EB02F8-33BF-4D75-9AEB-13F71CE4F5EB}"/>
-              </a:ext>
-            </a:extLst>
-          </p:cNvPr>
-          <p:cNvPicPr>
-            <a:picLocks noGrp="1" noChangeAspect="1"/>
-          </p:cNvPicPr>
-          <p:nvPr>
-            <p:ph idx="1"/>
-          </p:nvPr>
-        </p:nvPicPr>
-        <p:blipFill>
-          <a:blip r:embed="rId2"/>
-          <a:stretch>
-            <a:fillRect/>
-          </a:stretch>
-        </p:blipFill>
-        <p:spPr>
-          <a:xfrm>
-            <a:off x="4100842" y="1636286"/>
-            <a:ext cx="2380848" cy="4232619"/>
-          </a:xfrm>
-        </p:spPr>
-      </p:pic>
-      <p:pic>
-        <p:nvPicPr>
           <p:cNvPr id="12" name="Afbeelding 11">
             <a:extLst>
               <a:ext uri="{FF2B5EF4-FFF2-40B4-BE49-F238E27FC236}">
@@ -10104,7 +10159,7 @@
           <p:nvPr/>
         </p:nvPicPr>
         <p:blipFill>
-          <a:blip r:embed="rId3"/>
+          <a:blip r:embed="rId2"/>
           <a:stretch>
             <a:fillRect/>
           </a:stretch>
@@ -10134,7 +10189,7 @@
           <p:nvPr/>
         </p:nvPicPr>
         <p:blipFill>
-          <a:blip r:embed="rId4"/>
+          <a:blip r:embed="rId3"/>
           <a:stretch>
             <a:fillRect/>
           </a:stretch>
@@ -10164,7 +10219,7 @@
           <p:nvPr/>
         </p:nvPicPr>
         <p:blipFill>
-          <a:blip r:embed="rId3"/>
+          <a:blip r:embed="rId2"/>
           <a:stretch>
             <a:fillRect/>
           </a:stretch>
@@ -10177,6 +10232,35 @@
           <a:prstGeom prst="rect">
             <a:avLst/>
           </a:prstGeom>
+        </p:spPr>
+      </p:pic>
+      <p:pic>
+        <p:nvPicPr>
+          <p:cNvPr id="6" name="Tijdelijke aanduiding voor inhoud 5">
+            <a:extLst>
+              <a:ext uri="{FF2B5EF4-FFF2-40B4-BE49-F238E27FC236}">
+                <a16:creationId xmlns:a16="http://schemas.microsoft.com/office/drawing/2014/main" id="{C687F577-A19C-4FDF-9EF6-64C906F57539}"/>
+              </a:ext>
+            </a:extLst>
+          </p:cNvPr>
+          <p:cNvPicPr>
+            <a:picLocks noGrp="1" noChangeAspect="1"/>
+          </p:cNvPicPr>
+          <p:nvPr>
+            <p:ph idx="1"/>
+          </p:nvPr>
+        </p:nvPicPr>
+        <p:blipFill>
+          <a:blip r:embed="rId4"/>
+          <a:stretch>
+            <a:fillRect/>
+          </a:stretch>
+        </p:blipFill>
+        <p:spPr>
+          <a:xfrm>
+            <a:off x="4100841" y="1636286"/>
+            <a:ext cx="2380848" cy="4232619"/>
+          </a:xfrm>
         </p:spPr>
       </p:pic>
     </p:spTree>
